--- a/Presentation Report/Powerpoint.pptx
+++ b/Presentation Report/Powerpoint.pptx
@@ -321,7 +321,7 @@
           <a:p>
             <a:fld id="{241EB5C9-1307-BA42-ABA2-0BC069CD8E7F}" type="datetimeFigureOut">
               <a:rPr lang="en-US" smtClean="0"/>
-              <a:t>4/20/2025</a:t>
+              <a:t>4/21/2025</a:t>
             </a:fld>
             <a:endParaRPr lang="en-US"/>
           </a:p>
@@ -489,7 +489,7 @@
           <a:p>
             <a:fld id="{241EB5C9-1307-BA42-ABA2-0BC069CD8E7F}" type="datetimeFigureOut">
               <a:rPr lang="en-US" smtClean="0"/>
-              <a:t>4/20/2025</a:t>
+              <a:t>4/21/2025</a:t>
             </a:fld>
             <a:endParaRPr lang="en-US"/>
           </a:p>
@@ -667,7 +667,7 @@
           <a:p>
             <a:fld id="{241EB5C9-1307-BA42-ABA2-0BC069CD8E7F}" type="datetimeFigureOut">
               <a:rPr lang="en-US" smtClean="0"/>
-              <a:t>4/20/2025</a:t>
+              <a:t>4/21/2025</a:t>
             </a:fld>
             <a:endParaRPr lang="en-US"/>
           </a:p>
@@ -835,7 +835,7 @@
           <a:p>
             <a:fld id="{241EB5C9-1307-BA42-ABA2-0BC069CD8E7F}" type="datetimeFigureOut">
               <a:rPr lang="en-US" smtClean="0"/>
-              <a:t>4/20/2025</a:t>
+              <a:t>4/21/2025</a:t>
             </a:fld>
             <a:endParaRPr lang="en-US"/>
           </a:p>
@@ -1080,7 +1080,7 @@
           <a:p>
             <a:fld id="{241EB5C9-1307-BA42-ABA2-0BC069CD8E7F}" type="datetimeFigureOut">
               <a:rPr lang="en-US" smtClean="0"/>
-              <a:t>4/20/2025</a:t>
+              <a:t>4/21/2025</a:t>
             </a:fld>
             <a:endParaRPr lang="en-US"/>
           </a:p>
@@ -1365,7 +1365,7 @@
           <a:p>
             <a:fld id="{241EB5C9-1307-BA42-ABA2-0BC069CD8E7F}" type="datetimeFigureOut">
               <a:rPr lang="en-US" smtClean="0"/>
-              <a:t>4/20/2025</a:t>
+              <a:t>4/21/2025</a:t>
             </a:fld>
             <a:endParaRPr lang="en-US"/>
           </a:p>
@@ -1784,7 +1784,7 @@
           <a:p>
             <a:fld id="{241EB5C9-1307-BA42-ABA2-0BC069CD8E7F}" type="datetimeFigureOut">
               <a:rPr lang="en-US" smtClean="0"/>
-              <a:t>4/20/2025</a:t>
+              <a:t>4/21/2025</a:t>
             </a:fld>
             <a:endParaRPr lang="en-US"/>
           </a:p>
@@ -1901,7 +1901,7 @@
           <a:p>
             <a:fld id="{241EB5C9-1307-BA42-ABA2-0BC069CD8E7F}" type="datetimeFigureOut">
               <a:rPr lang="en-US" smtClean="0"/>
-              <a:t>4/20/2025</a:t>
+              <a:t>4/21/2025</a:t>
             </a:fld>
             <a:endParaRPr lang="en-US"/>
           </a:p>
@@ -1996,7 +1996,7 @@
           <a:p>
             <a:fld id="{241EB5C9-1307-BA42-ABA2-0BC069CD8E7F}" type="datetimeFigureOut">
               <a:rPr lang="en-US" smtClean="0"/>
-              <a:t>4/20/2025</a:t>
+              <a:t>4/21/2025</a:t>
             </a:fld>
             <a:endParaRPr lang="en-US"/>
           </a:p>
@@ -2271,7 +2271,7 @@
           <a:p>
             <a:fld id="{241EB5C9-1307-BA42-ABA2-0BC069CD8E7F}" type="datetimeFigureOut">
               <a:rPr lang="en-US" smtClean="0"/>
-              <a:t>4/20/2025</a:t>
+              <a:t>4/21/2025</a:t>
             </a:fld>
             <a:endParaRPr lang="en-US"/>
           </a:p>
@@ -2523,7 +2523,7 @@
           <a:p>
             <a:fld id="{241EB5C9-1307-BA42-ABA2-0BC069CD8E7F}" type="datetimeFigureOut">
               <a:rPr lang="en-US" smtClean="0"/>
-              <a:t>4/20/2025</a:t>
+              <a:t>4/21/2025</a:t>
             </a:fld>
             <a:endParaRPr lang="en-US"/>
           </a:p>
@@ -2734,7 +2734,7 @@
           <a:p>
             <a:fld id="{241EB5C9-1307-BA42-ABA2-0BC069CD8E7F}" type="datetimeFigureOut">
               <a:rPr lang="en-US" smtClean="0"/>
-              <a:t>4/20/2025</a:t>
+              <a:t>4/21/2025</a:t>
             </a:fld>
             <a:endParaRPr lang="en-US"/>
           </a:p>
@@ -3188,7 +3188,7 @@
               <a:buNone/>
             </a:pPr>
             <a:r>
-              <a:t>2025-04-20</a:t>
+              <a:t>2025-04-21</a:t>
             </a:r>
           </a:p>
         </p:txBody>
@@ -3218,6 +3218,30 @@
           <a:chExt cx="0" cy="0"/>
         </a:xfrm>
       </p:grpSpPr>
+      <p:sp>
+        <p:nvSpPr>
+          <p:cNvPr id="2" name="Title 1"/>
+          <p:cNvSpPr>
+            <a:spLocks noGrp="1"/>
+          </p:cNvSpPr>
+          <p:nvPr>
+            <p:ph type="title"/>
+          </p:nvPr>
+        </p:nvSpPr>
+        <p:spPr/>
+        <p:txBody>
+          <a:bodyPr/>
+          <a:lstStyle/>
+          <a:p>
+            <a:pPr marL="0" lvl="0" indent="0">
+              <a:buNone/>
+            </a:pPr>
+            <a:r>
+              <a:t>Treemap of exports by importer</a:t>
+            </a:r>
+          </a:p>
+        </p:txBody>
+      </p:sp>
       <p:pic>
         <p:nvPicPr>
           <p:cNvPr id="3" name="Picture 1" descr="Powerpoint_files/figure-pptx/unnamed-chunk-7-1.png"/>
@@ -3234,8 +3258,8 @@
         </p:blipFill>
         <p:spPr bwMode="auto">
           <a:xfrm>
-            <a:off x="1779732" y="339607"/>
-            <a:ext cx="5584536" cy="4464285"/>
+            <a:off x="2451100" y="1193800"/>
+            <a:ext cx="4241800" cy="3390900"/>
           </a:xfrm>
           <a:prstGeom prst="rect">
             <a:avLst/>
@@ -3289,8 +3313,8 @@
         </p:blipFill>
         <p:spPr bwMode="auto">
           <a:xfrm>
-            <a:off x="1483590" y="311112"/>
-            <a:ext cx="5644573" cy="4521275"/>
+            <a:off x="2019300" y="527050"/>
+            <a:ext cx="5105400" cy="4089400"/>
           </a:xfrm>
           <a:prstGeom prst="rect">
             <a:avLst/>
@@ -3344,8 +3368,8 @@
         </p:blipFill>
         <p:spPr bwMode="auto">
           <a:xfrm>
-            <a:off x="2070677" y="572189"/>
-            <a:ext cx="5002646" cy="3999121"/>
+            <a:off x="1935595" y="514927"/>
+            <a:ext cx="5272809" cy="4215090"/>
           </a:xfrm>
           <a:prstGeom prst="rect">
             <a:avLst/>
@@ -3403,17 +3427,8 @@
             </a:pPr>
             <a:r>
               <a:rPr dirty="0"/>
-              <a:t>Overview of </a:t>
-            </a:r>
-            <a:r>
-              <a:rPr lang="en-GB" dirty="0"/>
-              <a:t>M</a:t>
-            </a:r>
-            <a:r>
-              <a:rPr dirty="0" err="1"/>
-              <a:t>ethodology</a:t>
-            </a:r>
-            <a:endParaRPr dirty="0"/>
+              <a:t>Overview of methodology</a:t>
+            </a:r>
           </a:p>
         </p:txBody>
       </p:sp>
@@ -3646,8 +3661,8 @@
         </p:blipFill>
         <p:spPr bwMode="auto">
           <a:xfrm>
-            <a:off x="1968500" y="1206863"/>
-            <a:ext cx="4391460" cy="3517538"/>
+            <a:off x="2238664" y="1378526"/>
+            <a:ext cx="3828330" cy="3066473"/>
           </a:xfrm>
           <a:prstGeom prst="rect">
             <a:avLst/>
@@ -3665,7 +3680,7 @@
           <p:cNvPr id="3" name="Title 1">
             <a:extLst>
               <a:ext uri="{FF2B5EF4-FFF2-40B4-BE49-F238E27FC236}">
-                <a16:creationId xmlns:a16="http://schemas.microsoft.com/office/drawing/2014/main" id="{1B6D445C-8A6C-58A8-60BF-207E1B8FEA3E}"/>
+                <a16:creationId xmlns:a16="http://schemas.microsoft.com/office/drawing/2014/main" id="{5BA52ACC-404A-A958-B5BF-23A7FE70BB85}"/>
               </a:ext>
             </a:extLst>
           </p:cNvPr>
@@ -3678,7 +3693,7 @@
         </p:nvSpPr>
         <p:spPr>
           <a:xfrm>
-            <a:off x="1184564" y="190285"/>
+            <a:off x="457200" y="205979"/>
             <a:ext cx="8229600" cy="857250"/>
           </a:xfrm>
         </p:spPr>
@@ -3693,7 +3708,7 @@
             </a:pPr>
             <a:r>
               <a:rPr lang="en-GB" sz="3200" dirty="0"/>
-              <a:t>Correlation Between Top Import Products</a:t>
+              <a:t> Correlation Between Top Import Products</a:t>
             </a:r>
           </a:p>
         </p:txBody>
@@ -3739,8 +3754,8 @@
         </p:blipFill>
         <p:spPr bwMode="auto">
           <a:xfrm>
-            <a:off x="1966768" y="489124"/>
-            <a:ext cx="5210464" cy="4165251"/>
+            <a:off x="2451100" y="1193800"/>
+            <a:ext cx="4241800" cy="3390900"/>
           </a:xfrm>
           <a:prstGeom prst="rect">
             <a:avLst/>
@@ -3794,8 +3809,8 @@
         </p:blipFill>
         <p:spPr bwMode="auto">
           <a:xfrm>
-            <a:off x="1742786" y="305564"/>
-            <a:ext cx="5658427" cy="4532372"/>
+            <a:off x="2019300" y="527050"/>
+            <a:ext cx="5105400" cy="4089400"/>
           </a:xfrm>
           <a:prstGeom prst="rect">
             <a:avLst/>
@@ -3835,139 +3850,313 @@
       </p:grpSpPr>
       <p:sp>
         <p:nvSpPr>
-          <p:cNvPr id="2" name="Title 1"/>
-          <p:cNvSpPr>
-            <a:spLocks noGrp="1"/>
-          </p:cNvSpPr>
-          <p:nvPr>
-            <p:ph type="title"/>
-          </p:nvPr>
-        </p:nvSpPr>
-        <p:spPr/>
-        <p:txBody>
-          <a:bodyPr/>
+          <p:cNvPr id="3" name="Content Placeholder 2"/>
+          <p:cNvSpPr>
+            <a:spLocks noGrp="1"/>
+          </p:cNvSpPr>
+          <p:nvPr>
+            <p:ph idx="1"/>
+          </p:nvPr>
+        </p:nvSpPr>
+        <p:spPr>
+          <a:xfrm>
+            <a:off x="374073" y="292679"/>
+            <a:ext cx="8229600" cy="4459430"/>
+          </a:xfrm>
+        </p:spPr>
+        <p:txBody>
+          <a:bodyPr>
+            <a:normAutofit fontScale="92500" lnSpcReduction="10000"/>
+          </a:bodyPr>
           <a:lstStyle/>
           <a:p>
             <a:pPr marL="0" lvl="0" indent="0">
               <a:buNone/>
             </a:pPr>
             <a:r>
-              <a:t>Deep learning</a:t>
-            </a:r>
-          </a:p>
-        </p:txBody>
-      </p:sp>
-      <p:sp>
-        <p:nvSpPr>
-          <p:cNvPr id="3" name="Content Placeholder 2"/>
-          <p:cNvSpPr>
-            <a:spLocks noGrp="1"/>
-          </p:cNvSpPr>
-          <p:nvPr>
-            <p:ph idx="1"/>
-          </p:nvPr>
-        </p:nvSpPr>
-        <p:spPr/>
-        <p:txBody>
-          <a:bodyPr>
-            <a:normAutofit fontScale="92500" lnSpcReduction="20000"/>
-          </a:bodyPr>
-          <a:lstStyle/>
+              <a:rPr lang="en-GB" sz="1700" b="1" dirty="0">
+                <a:latin typeface="+mj-lt"/>
+              </a:rPr>
+              <a:t>Deep Learning</a:t>
+            </a:r>
+            <a:endParaRPr sz="1700" b="1" dirty="0">
+              <a:latin typeface="+mj-lt"/>
+            </a:endParaRPr>
+          </a:p>
           <a:p>
             <a:pPr lvl="0"/>
             <a:r>
-              <a:t>Deep learning is a type of machine learning that uses multi-layered neural networks to learn patterns in data.</a:t>
+              <a:rPr sz="900" b="1" dirty="0"/>
+              <a:t>What is Deep Learning?</a:t>
+            </a:r>
+            <a:br>
+              <a:rPr sz="900" dirty="0"/>
+            </a:br>
+            <a:r>
+              <a:rPr sz="900" dirty="0"/>
+              <a:t>Multi-layer neural networks that excel at learning complex, non‑linear patterns.</a:t>
             </a:r>
           </a:p>
           <a:p>
             <a:pPr lvl="0"/>
             <a:r>
-              <a:t>Especially effective for large, complex datasets with non-linear relationships.</a:t>
+              <a:rPr sz="900" b="1" dirty="0"/>
+              <a:t>Our Approach</a:t>
+            </a:r>
+          </a:p>
+          <a:p>
+            <a:pPr lvl="1"/>
+            <a:r>
+              <a:rPr sz="900" dirty="0"/>
+              <a:t>Two </a:t>
+            </a:r>
+            <a:r>
+              <a:rPr sz="900" b="1" dirty="0"/>
+              <a:t>autoregressive LSTM</a:t>
+            </a:r>
+            <a:r>
+              <a:rPr sz="900" dirty="0"/>
+              <a:t> models in R (</a:t>
+            </a:r>
+            <a:r>
+              <a:rPr sz="900" dirty="0" err="1"/>
+              <a:t>Keras</a:t>
+            </a:r>
+            <a:r>
+              <a:rPr sz="900" dirty="0"/>
+              <a:t> + TensorFlow 2.10)</a:t>
+            </a:r>
+          </a:p>
+          <a:p>
+            <a:pPr lvl="2"/>
+            <a:r>
+              <a:rPr sz="900" b="1" dirty="0"/>
+              <a:t>Exporter model:</a:t>
+            </a:r>
+            <a:r>
+              <a:rPr sz="900" dirty="0"/>
+              <a:t> UK as exporter → predict exports</a:t>
+            </a:r>
+            <a:br>
+              <a:rPr sz="900" dirty="0"/>
+            </a:br>
+            <a:endParaRPr sz="900" dirty="0"/>
+          </a:p>
+          <a:p>
+            <a:pPr lvl="2"/>
+            <a:r>
+              <a:rPr sz="900" b="1" dirty="0"/>
+              <a:t>Importer model:</a:t>
+            </a:r>
+            <a:r>
+              <a:rPr sz="900" dirty="0"/>
+              <a:t> UK as importer → predict imports</a:t>
+            </a:r>
+            <a:br>
+              <a:rPr sz="900" dirty="0"/>
+            </a:br>
+            <a:endParaRPr sz="900" dirty="0"/>
+          </a:p>
+          <a:p>
+            <a:pPr lvl="1"/>
+            <a:r>
+              <a:rPr sz="900" b="1" dirty="0"/>
+              <a:t>Inputs</a:t>
+            </a:r>
+            <a:r>
+              <a:rPr sz="900" dirty="0"/>
+              <a:t>:</a:t>
+            </a:r>
+          </a:p>
+          <a:p>
+            <a:pPr lvl="2"/>
+            <a:r>
+              <a:rPr sz="900" dirty="0"/>
+              <a:t>Categorical: partner country &amp; product → </a:t>
+            </a:r>
+            <a:r>
+              <a:rPr sz="900" b="1" dirty="0"/>
+              <a:t>learnable embeddings</a:t>
+            </a:r>
+            <a:br>
+              <a:rPr sz="900" dirty="0"/>
+            </a:br>
+            <a:endParaRPr sz="900" dirty="0"/>
+          </a:p>
+          <a:p>
+            <a:pPr lvl="2"/>
+            <a:r>
+              <a:rPr sz="900" dirty="0"/>
+              <a:t>Numeric: year + lag₁–lag₃ trade values → </a:t>
+            </a:r>
+            <a:r>
+              <a:rPr sz="900" b="1" dirty="0"/>
+              <a:t>standardized</a:t>
+            </a:r>
+            <a:r>
+              <a:rPr sz="900" dirty="0"/>
+              <a:t> (zero mean, unit variance)</a:t>
+            </a:r>
+            <a:br>
+              <a:rPr sz="900" dirty="0"/>
+            </a:br>
+            <a:endParaRPr sz="900" dirty="0"/>
+          </a:p>
+          <a:p>
+            <a:pPr lvl="1"/>
+            <a:r>
+              <a:rPr sz="900" b="1" dirty="0"/>
+              <a:t>Architecture</a:t>
+            </a:r>
+            <a:r>
+              <a:rPr sz="900" dirty="0"/>
+              <a:t>:</a:t>
+            </a:r>
+          </a:p>
+          <a:p>
+            <a:pPr marL="1028700" lvl="2" indent="-342900">
+              <a:buAutoNum type="arabicPeriod"/>
+            </a:pPr>
+            <a:r>
+              <a:rPr sz="900" dirty="0"/>
+              <a:t>Embedding layers →</a:t>
+            </a:r>
+            <a:br>
+              <a:rPr sz="900" dirty="0"/>
+            </a:br>
+            <a:endParaRPr sz="900" dirty="0"/>
+          </a:p>
+          <a:p>
+            <a:pPr marL="1028700" lvl="2" indent="-342900">
+              <a:buAutoNum type="arabicPeriod"/>
+            </a:pPr>
+            <a:r>
+              <a:rPr sz="900" dirty="0"/>
+              <a:t>Dense projection →</a:t>
+            </a:r>
+            <a:br>
+              <a:rPr sz="900" dirty="0"/>
+            </a:br>
+            <a:endParaRPr sz="900" dirty="0"/>
+          </a:p>
+          <a:p>
+            <a:pPr marL="1028700" lvl="2" indent="-342900">
+              <a:buAutoNum type="arabicPeriod"/>
+            </a:pPr>
+            <a:r>
+              <a:rPr sz="900" dirty="0" err="1"/>
+              <a:t>RepeatVector</a:t>
+            </a:r>
+            <a:r>
+              <a:rPr sz="900" dirty="0"/>
+              <a:t> →</a:t>
+            </a:r>
+            <a:br>
+              <a:rPr sz="900" dirty="0"/>
+            </a:br>
+            <a:endParaRPr sz="900" dirty="0"/>
+          </a:p>
+          <a:p>
+            <a:pPr marL="1028700" lvl="2" indent="-342900">
+              <a:buAutoNum type="arabicPeriod"/>
+            </a:pPr>
+            <a:r>
+              <a:rPr sz="900" b="1" dirty="0"/>
+              <a:t>LSTM</a:t>
+            </a:r>
+            <a:r>
+              <a:rPr sz="900" dirty="0"/>
+              <a:t> →</a:t>
+            </a:r>
+            <a:br>
+              <a:rPr sz="900" dirty="0"/>
+            </a:br>
+            <a:endParaRPr sz="900" dirty="0"/>
+          </a:p>
+          <a:p>
+            <a:pPr marL="1028700" lvl="2" indent="-342900">
+              <a:buAutoNum type="arabicPeriod"/>
+            </a:pPr>
+            <a:r>
+              <a:rPr sz="900" dirty="0"/>
+              <a:t>Dense → output</a:t>
             </a:r>
           </a:p>
           <a:p>
             <a:pPr lvl="0"/>
             <a:r>
-              <a:t>In this project:</a:t>
+              <a:rPr sz="900" b="1" dirty="0"/>
+              <a:t>Training Details</a:t>
             </a:r>
           </a:p>
           <a:p>
             <a:pPr lvl="1"/>
             <a:r>
-              <a:t>Built two models using </a:t>
-            </a:r>
-            <a:r>
-              <a:rPr b="1"/>
-              <a:t>TensorFlow and Keras</a:t>
-            </a:r>
-            <a:r>
-              <a:t> in R.</a:t>
-            </a:r>
+              <a:rPr sz="900" b="1" dirty="0"/>
+              <a:t>20 epochs</a:t>
+            </a:r>
+            <a:r>
+              <a:rPr sz="900" dirty="0"/>
+              <a:t>, batch size 216</a:t>
+            </a:r>
+            <a:br>
+              <a:rPr sz="900" dirty="0"/>
+            </a:br>
+            <a:endParaRPr sz="900" dirty="0"/>
           </a:p>
           <a:p>
             <a:pPr lvl="1"/>
             <a:r>
-              <a:t>One for </a:t>
-            </a:r>
-            <a:r>
-              <a:rPr b="1"/>
-              <a:t>UK as exporter</a:t>
-            </a:r>
-            <a:r>
-              <a:t>, one for </a:t>
-            </a:r>
-            <a:r>
-              <a:rPr b="1"/>
-              <a:t>UK as importer</a:t>
-            </a:r>
-            <a:r>
-              <a:t>.</a:t>
-            </a:r>
+              <a:rPr sz="900" b="1" dirty="0"/>
+              <a:t>Mixed‑precision</a:t>
+            </a:r>
+            <a:r>
+              <a:rPr sz="900" dirty="0"/>
+              <a:t> (</a:t>
+            </a:r>
+            <a:r>
+              <a:rPr sz="900" dirty="0">
+                <a:latin typeface="Courier"/>
+              </a:rPr>
+              <a:t>mixed_float16</a:t>
+            </a:r>
+            <a:r>
+              <a:rPr sz="900" dirty="0"/>
+              <a:t>) for speed</a:t>
+            </a:r>
+            <a:br>
+              <a:rPr sz="900" dirty="0"/>
+            </a:br>
+            <a:endParaRPr sz="900" dirty="0"/>
           </a:p>
           <a:p>
             <a:pPr lvl="1"/>
             <a:r>
-              <a:t>Inputs included trade partner, product type, and year.</a:t>
-            </a:r>
+              <a:rPr sz="900" dirty="0"/>
+              <a:t>Loss: </a:t>
+            </a:r>
+            <a:r>
+              <a:rPr sz="900" b="1" dirty="0"/>
+              <a:t>MSE</a:t>
+            </a:r>
+            <a:r>
+              <a:rPr sz="900" dirty="0"/>
+              <a:t>; Metric: </a:t>
+            </a:r>
+            <a:r>
+              <a:rPr sz="900" b="1" dirty="0"/>
+              <a:t>MAE</a:t>
+            </a:r>
+            <a:br>
+              <a:rPr sz="900" dirty="0"/>
+            </a:br>
+            <a:endParaRPr sz="900" dirty="0"/>
           </a:p>
           <a:p>
             <a:pPr lvl="1"/>
             <a:r>
-              <a:t>Used </a:t>
-            </a:r>
-            <a:r>
-              <a:rPr b="1"/>
-              <a:t>embedding layers</a:t>
-            </a:r>
-            <a:r>
-              <a:t> for categorical variables and </a:t>
-            </a:r>
-            <a:r>
-              <a:rPr b="1"/>
-              <a:t>dense layers</a:t>
-            </a:r>
-            <a:r>
-              <a:t> for regression.</a:t>
-            </a:r>
-          </a:p>
-          <a:p>
-            <a:pPr lvl="0"/>
-            <a:r>
-              <a:t>Trained over 30 epochs with </a:t>
-            </a:r>
-            <a:r>
-              <a:rPr b="1"/>
-              <a:t>mixed precision</a:t>
-            </a:r>
-            <a:r>
-              <a:t> and </a:t>
-            </a:r>
-            <a:r>
-              <a:rPr b="1"/>
-              <a:t>batch size of 216</a:t>
-            </a:r>
-            <a:r>
-              <a:t>.</a:t>
+              <a:rPr sz="900" dirty="0"/>
+              <a:t>20% validation split, shuffle each epoch</a:t>
             </a:r>
           </a:p>
         </p:txBody>
@@ -3999,111 +4188,183 @@
       </p:grpSpPr>
       <p:sp>
         <p:nvSpPr>
-          <p:cNvPr id="2" name="Title 1"/>
-          <p:cNvSpPr>
-            <a:spLocks noGrp="1"/>
-          </p:cNvSpPr>
-          <p:nvPr>
-            <p:ph type="title"/>
-          </p:nvPr>
-        </p:nvSpPr>
-        <p:spPr/>
-        <p:txBody>
-          <a:bodyPr/>
+          <p:cNvPr id="3" name="Content Placeholder 2"/>
+          <p:cNvSpPr>
+            <a:spLocks noGrp="1"/>
+          </p:cNvSpPr>
+          <p:nvPr>
+            <p:ph idx="1"/>
+          </p:nvPr>
+        </p:nvSpPr>
+        <p:spPr>
+          <a:xfrm>
+            <a:off x="457200" y="605270"/>
+            <a:ext cx="8229600" cy="3932959"/>
+          </a:xfrm>
+        </p:spPr>
+        <p:txBody>
+          <a:bodyPr>
+            <a:normAutofit fontScale="62500" lnSpcReduction="20000"/>
+          </a:bodyPr>
           <a:lstStyle/>
           <a:p>
             <a:pPr marL="0" lvl="0" indent="0">
+              <a:spcBef>
+                <a:spcPts val="3000"/>
+              </a:spcBef>
               <a:buNone/>
             </a:pPr>
             <a:r>
-              <a:t>Model comparison</a:t>
-            </a:r>
-          </a:p>
-        </p:txBody>
-      </p:sp>
-      <p:sp>
-        <p:nvSpPr>
-          <p:cNvPr id="3" name="Content Placeholder 2"/>
-          <p:cNvSpPr>
-            <a:spLocks noGrp="1"/>
-          </p:cNvSpPr>
-          <p:nvPr>
-            <p:ph idx="1"/>
-          </p:nvPr>
-        </p:nvSpPr>
-        <p:spPr/>
-        <p:txBody>
-          <a:bodyPr>
-            <a:normAutofit fontScale="85000" lnSpcReduction="20000"/>
-          </a:bodyPr>
-          <a:lstStyle/>
+              <a:rPr b="1" dirty="0"/>
+              <a:t>Model Comparison</a:t>
+            </a:r>
+          </a:p>
           <a:p>
             <a:pPr lvl="0"/>
             <a:r>
-              <a:t>To assess performance, deep learning forecasts were compared against traditional methods:</a:t>
+              <a:rPr b="1" dirty="0"/>
+              <a:t>Benchmarks</a:t>
             </a:r>
           </a:p>
           <a:p>
             <a:pPr lvl="1"/>
             <a:r>
-              <a:rPr b="1"/>
-              <a:t>Logistic Regression</a:t>
+              <a:rPr b="1" dirty="0"/>
+              <a:t>Linear Regression</a:t>
             </a:r>
           </a:p>
           <a:p>
             <a:pPr lvl="2"/>
             <a:r>
-              <a:t>Simple, interpretable.</a:t>
-            </a:r>
+              <a:rPr dirty="0"/>
+              <a:t>Pros: simple, interpretable</a:t>
+            </a:r>
+            <a:br>
+              <a:rPr dirty="0"/>
+            </a:br>
+            <a:endParaRPr dirty="0"/>
           </a:p>
           <a:p>
             <a:pPr lvl="2"/>
             <a:r>
-              <a:t>Struggles with complex, non-linear relationships in trade data.</a:t>
-            </a:r>
+              <a:rPr dirty="0"/>
+              <a:t>Cons: no memory of past values, misses non‑linear trends</a:t>
+            </a:r>
+            <a:br>
+              <a:rPr dirty="0"/>
+            </a:br>
+            <a:endParaRPr dirty="0"/>
           </a:p>
           <a:p>
             <a:pPr lvl="1"/>
             <a:r>
-              <a:rPr b="1"/>
-              <a:t>Regression Trees</a:t>
+              <a:rPr b="1" dirty="0"/>
+              <a:t>Random Forest Regression</a:t>
             </a:r>
           </a:p>
           <a:p>
             <a:pPr lvl="2"/>
             <a:r>
-              <a:t>Handles non-linearity better.</a:t>
-            </a:r>
+              <a:rPr dirty="0"/>
+              <a:t>Pros: captures non‑linearity</a:t>
+            </a:r>
+            <a:br>
+              <a:rPr dirty="0"/>
+            </a:br>
+            <a:endParaRPr dirty="0"/>
           </a:p>
           <a:p>
             <a:pPr lvl="2"/>
             <a:r>
-              <a:t>Prone to overfitting and less smooth in forecasting.</a:t>
+              <a:rPr dirty="0"/>
+              <a:t>Cons: unstable time‑series forecasts, prone to overfitting</a:t>
             </a:r>
           </a:p>
           <a:p>
             <a:pPr lvl="0"/>
             <a:r>
-              <a:rPr b="1"/>
-              <a:t>Deep Learning Advantages</a:t>
+              <a:rPr b="1" dirty="0"/>
+              <a:t>Autoregressive LSTM</a:t>
             </a:r>
           </a:p>
           <a:p>
             <a:pPr lvl="1"/>
             <a:r>
-              <a:t>Captures hidden patterns in high-dimensional data.</a:t>
-            </a:r>
+              <a:rPr dirty="0"/>
+              <a:t>Leverages </a:t>
+            </a:r>
+            <a:r>
+              <a:rPr b="1" dirty="0"/>
+              <a:t>lagged history</a:t>
+            </a:r>
+            <a:r>
+              <a:rPr dirty="0"/>
+              <a:t> to capture sequential dependencies</a:t>
+            </a:r>
+            <a:br>
+              <a:rPr dirty="0"/>
+            </a:br>
+            <a:endParaRPr dirty="0"/>
           </a:p>
           <a:p>
             <a:pPr lvl="1"/>
             <a:r>
-              <a:t>Better generalization across products, partners, and time.</a:t>
-            </a:r>
+              <a:rPr b="1" dirty="0"/>
+              <a:t>Learned embeddings</a:t>
+            </a:r>
+            <a:r>
+              <a:rPr dirty="0"/>
+              <a:t> for high‑cardinality </a:t>
+            </a:r>
+            <a:r>
+              <a:rPr dirty="0" err="1"/>
+              <a:t>categoricals</a:t>
+            </a:r>
+            <a:br>
+              <a:rPr dirty="0"/>
+            </a:br>
+            <a:endParaRPr dirty="0"/>
           </a:p>
           <a:p>
             <a:pPr lvl="1"/>
             <a:r>
-              <a:t>Outperformed traditional models on key accuracy metrics (e.g., MAE).</a:t>
+              <a:rPr dirty="0"/>
+              <a:t>Produces </a:t>
+            </a:r>
+            <a:r>
+              <a:rPr b="1" dirty="0"/>
+              <a:t>smoother</a:t>
+            </a:r>
+            <a:r>
+              <a:rPr dirty="0"/>
+              <a:t>, more </a:t>
+            </a:r>
+            <a:r>
+              <a:rPr b="1" dirty="0"/>
+              <a:t>consistent</a:t>
+            </a:r>
+            <a:r>
+              <a:rPr dirty="0"/>
+              <a:t> forecasts</a:t>
+            </a:r>
+            <a:br>
+              <a:rPr dirty="0"/>
+            </a:br>
+            <a:endParaRPr dirty="0"/>
+          </a:p>
+          <a:p>
+            <a:pPr lvl="1"/>
+            <a:r>
+              <a:rPr dirty="0"/>
+              <a:t>Achieved </a:t>
+            </a:r>
+            <a:r>
+              <a:rPr b="1" dirty="0"/>
+              <a:t>lowest MAE</a:t>
+            </a:r>
+            <a:r>
+              <a:rPr dirty="0"/>
+              <a:t> on hold‑out data</a:t>
             </a:r>
           </a:p>
         </p:txBody>
@@ -4170,7 +4431,7 @@
         <p:spPr/>
         <p:txBody>
           <a:bodyPr>
-            <a:normAutofit lnSpcReduction="10000"/>
+            <a:noAutofit/>
           </a:bodyPr>
           <a:lstStyle/>
           <a:p>
@@ -4282,7 +4543,6 @@
               <a:rPr sz="1600" dirty="0"/>
               <a:t> to identify patterns</a:t>
             </a:r>
-            <a:endParaRPr dirty="0"/>
           </a:p>
         </p:txBody>
       </p:sp>
@@ -4313,102 +4573,260 @@
       </p:grpSpPr>
       <p:sp>
         <p:nvSpPr>
-          <p:cNvPr id="2" name="Title 1"/>
-          <p:cNvSpPr>
-            <a:spLocks noGrp="1"/>
-          </p:cNvSpPr>
-          <p:nvPr>
-            <p:ph type="title"/>
-          </p:nvPr>
-        </p:nvSpPr>
-        <p:spPr/>
-        <p:txBody>
-          <a:bodyPr/>
+          <p:cNvPr id="3" name="Content Placeholder 2"/>
+          <p:cNvSpPr>
+            <a:spLocks noGrp="1"/>
+          </p:cNvSpPr>
+          <p:nvPr>
+            <p:ph idx="1"/>
+          </p:nvPr>
+        </p:nvSpPr>
+        <p:spPr>
+          <a:xfrm>
+            <a:off x="457200" y="632114"/>
+            <a:ext cx="8229600" cy="3842903"/>
+          </a:xfrm>
+        </p:spPr>
+        <p:txBody>
+          <a:bodyPr>
+            <a:normAutofit lnSpcReduction="10000"/>
+          </a:bodyPr>
           <a:lstStyle/>
           <a:p>
             <a:pPr marL="0" lvl="0" indent="0">
+              <a:spcBef>
+                <a:spcPts val="3000"/>
+              </a:spcBef>
               <a:buNone/>
             </a:pPr>
             <a:r>
-              <a:t>conlcusion</a:t>
-            </a:r>
-          </a:p>
-        </p:txBody>
-      </p:sp>
-      <p:sp>
-        <p:nvSpPr>
-          <p:cNvPr id="3" name="Content Placeholder 2"/>
-          <p:cNvSpPr>
-            <a:spLocks noGrp="1"/>
-          </p:cNvSpPr>
-          <p:nvPr>
-            <p:ph idx="1"/>
-          </p:nvPr>
-        </p:nvSpPr>
-        <p:spPr/>
-        <p:txBody>
-          <a:bodyPr>
-            <a:normAutofit fontScale="77500" lnSpcReduction="20000"/>
-          </a:bodyPr>
-          <a:lstStyle/>
+              <a:rPr sz="1100" b="1" dirty="0"/>
+              <a:t>Conclusion</a:t>
+            </a:r>
+          </a:p>
           <a:p>
             <a:pPr lvl="0"/>
             <a:r>
-              <a:t>The project successfully explored whether UK trade—by total value, product, and partner—can be forecasted using data-driven techniques.</a:t>
+              <a:rPr sz="1100" b="1" dirty="0"/>
+              <a:t>Key Takeaways</a:t>
+            </a:r>
+          </a:p>
+          <a:p>
+            <a:pPr lvl="1"/>
+            <a:r>
+              <a:rPr sz="900" dirty="0"/>
+              <a:t>UK’s </a:t>
+            </a:r>
+            <a:r>
+              <a:rPr sz="900" b="1" dirty="0"/>
+              <a:t>trade deficit</a:t>
+            </a:r>
+            <a:r>
+              <a:rPr sz="900" dirty="0"/>
+              <a:t> is structural and forecast to persist</a:t>
+            </a:r>
+            <a:br>
+              <a:rPr sz="900" dirty="0"/>
+            </a:br>
+            <a:endParaRPr sz="900" dirty="0"/>
+          </a:p>
+          <a:p>
+            <a:pPr lvl="1"/>
+            <a:r>
+              <a:rPr sz="900" b="1" dirty="0"/>
+              <a:t>Vehicles</a:t>
+            </a:r>
+            <a:r>
+              <a:rPr sz="900" dirty="0"/>
+              <a:t>, </a:t>
+            </a:r>
+            <a:r>
+              <a:rPr sz="900" b="1" dirty="0"/>
+              <a:t>pharmaceuticals</a:t>
+            </a:r>
+            <a:r>
+              <a:rPr sz="900" dirty="0"/>
+              <a:t>, </a:t>
+            </a:r>
+            <a:r>
+              <a:rPr sz="900" b="1" dirty="0"/>
+              <a:t>machinery</a:t>
+            </a:r>
+            <a:r>
+              <a:rPr sz="900" dirty="0"/>
+              <a:t> dominate exports</a:t>
+            </a:r>
+            <a:br>
+              <a:rPr sz="900" dirty="0"/>
+            </a:br>
+            <a:endParaRPr sz="900" dirty="0"/>
+          </a:p>
+          <a:p>
+            <a:pPr lvl="1"/>
+            <a:r>
+              <a:rPr sz="900" b="1" dirty="0"/>
+              <a:t>Germany</a:t>
+            </a:r>
+            <a:r>
+              <a:rPr sz="900" dirty="0"/>
+              <a:t>, </a:t>
+            </a:r>
+            <a:r>
+              <a:rPr sz="900" b="1" dirty="0"/>
+              <a:t>China</a:t>
+            </a:r>
+            <a:r>
+              <a:rPr sz="900" dirty="0"/>
+              <a:t>, </a:t>
+            </a:r>
+            <a:r>
+              <a:rPr sz="900" b="1" dirty="0"/>
+              <a:t>USA</a:t>
+            </a:r>
+            <a:r>
+              <a:rPr sz="900" dirty="0"/>
+              <a:t>, </a:t>
+            </a:r>
+            <a:r>
+              <a:rPr sz="900" b="1" dirty="0"/>
+              <a:t>Norway</a:t>
+            </a:r>
+            <a:r>
+              <a:rPr sz="900" dirty="0"/>
+              <a:t> lead in imports</a:t>
             </a:r>
           </a:p>
           <a:p>
             <a:pPr lvl="0"/>
             <a:r>
-              <a:t>Key findings:</a:t>
+              <a:rPr sz="1100" b="1" dirty="0"/>
+              <a:t>Deep Learning Strengths</a:t>
             </a:r>
           </a:p>
           <a:p>
             <a:pPr lvl="1"/>
             <a:r>
-              <a:t>The UK’s trade deficit is long-standing and forecasted to widen.</a:t>
-            </a:r>
+              <a:rPr sz="900" dirty="0"/>
+              <a:t>Captures long‑term momentum via autoregressive LSTM</a:t>
+            </a:r>
+            <a:br>
+              <a:rPr sz="900" dirty="0"/>
+            </a:br>
+            <a:endParaRPr sz="900" dirty="0"/>
           </a:p>
           <a:p>
             <a:pPr lvl="1"/>
             <a:r>
-              <a:t>Vehicle, pharmaceutical, and machinery sectors dominate exports.</a:t>
-            </a:r>
+              <a:rPr sz="900" dirty="0"/>
+              <a:t>Robust high‑level forecasts across products &amp; partners</a:t>
+            </a:r>
+            <a:br>
+              <a:rPr sz="900" dirty="0"/>
+            </a:br>
+            <a:endParaRPr sz="900" dirty="0"/>
           </a:p>
           <a:p>
             <a:pPr lvl="1"/>
             <a:r>
-              <a:t>Imports show strong reliance on Europe, China, and the USA.</a:t>
+              <a:rPr sz="900" dirty="0"/>
+              <a:t>Outperforms simpler baselines on MAE</a:t>
             </a:r>
           </a:p>
           <a:p>
             <a:pPr lvl="0"/>
             <a:r>
-              <a:t>Deep learning provided robust forecasts and outperformed simpler classifiers.</a:t>
+              <a:rPr sz="1100" b="1" dirty="0"/>
+              <a:t>Limitations &amp; Next Steps</a:t>
             </a:r>
           </a:p>
           <a:p>
             <a:pPr lvl="1"/>
             <a:r>
-              <a:t>However, limitations like trend smoothing and lack of external variables affect realism.</a:t>
-            </a:r>
-          </a:p>
-          <a:p>
-            <a:pPr lvl="0"/>
-            <a:r>
-              <a:t>Future improvements could include:</a:t>
-            </a:r>
+              <a:rPr sz="900" dirty="0"/>
+              <a:t>Smooth, conservative outputs understate shocks or policy changes</a:t>
+            </a:r>
+            <a:br>
+              <a:rPr sz="900" dirty="0"/>
+            </a:br>
+            <a:endParaRPr sz="900" dirty="0"/>
           </a:p>
           <a:p>
             <a:pPr lvl="1"/>
             <a:r>
-              <a:t>Incorporating economic indicators or policy variables.</a:t>
-            </a:r>
+              <a:rPr sz="900" dirty="0"/>
+              <a:t>Does not include exogenous variables or regime shifts</a:t>
+            </a:r>
+            <a:br>
+              <a:rPr sz="900" dirty="0"/>
+            </a:br>
+            <a:endParaRPr sz="900" dirty="0"/>
           </a:p>
           <a:p>
             <a:pPr lvl="1"/>
             <a:r>
-              <a:t>Modeling shocks or regime changes explicitly.</a:t>
+              <a:rPr sz="900" dirty="0"/>
+              <a:t>Future work:</a:t>
+            </a:r>
+          </a:p>
+          <a:p>
+            <a:pPr lvl="2"/>
+            <a:r>
+              <a:rPr sz="800" dirty="0"/>
+              <a:t>Integrate macro‑economic indicators (GDP, exchange rates, policy events)</a:t>
+            </a:r>
+            <a:br>
+              <a:rPr sz="800" dirty="0"/>
+            </a:br>
+            <a:endParaRPr sz="800" dirty="0"/>
+          </a:p>
+          <a:p>
+            <a:pPr lvl="2"/>
+            <a:r>
+              <a:rPr sz="800" dirty="0"/>
+              <a:t>Incorporate </a:t>
+            </a:r>
+            <a:r>
+              <a:rPr sz="800" b="1" dirty="0"/>
+              <a:t>graph/cluster embeddings</a:t>
+            </a:r>
+            <a:r>
+              <a:rPr sz="800" dirty="0"/>
+              <a:t> or </a:t>
+            </a:r>
+            <a:r>
+              <a:rPr sz="800" b="1" dirty="0"/>
+              <a:t>attention</a:t>
+            </a:r>
+            <a:r>
+              <a:rPr sz="800" dirty="0"/>
+              <a:t> models</a:t>
+            </a:r>
+            <a:br>
+              <a:rPr sz="800" dirty="0"/>
+            </a:br>
+            <a:endParaRPr sz="800" dirty="0"/>
+          </a:p>
+          <a:p>
+            <a:pPr lvl="2"/>
+            <a:r>
+              <a:rPr sz="800" dirty="0"/>
+              <a:t>Add </a:t>
+            </a:r>
+            <a:r>
+              <a:rPr sz="800" b="1" dirty="0"/>
+              <a:t>shock-detection</a:t>
+            </a:r>
+            <a:r>
+              <a:rPr sz="800" dirty="0"/>
+              <a:t> or </a:t>
+            </a:r>
+            <a:r>
+              <a:rPr sz="800" b="1" dirty="0"/>
+              <a:t>switching‑regime</a:t>
+            </a:r>
+            <a:r>
+              <a:rPr sz="800" dirty="0"/>
+              <a:t> components</a:t>
             </a:r>
           </a:p>
         </p:txBody>
@@ -4475,93 +4893,92 @@
         <p:spPr/>
         <p:txBody>
           <a:bodyPr>
-            <a:normAutofit fontScale="92500" lnSpcReduction="20000"/>
+            <a:noAutofit/>
           </a:bodyPr>
           <a:lstStyle/>
           <a:p>
             <a:pPr lvl="0"/>
             <a:r>
-              <a:rPr sz="2000" b="1" dirty="0"/>
+              <a:rPr sz="1800" b="1" dirty="0"/>
               <a:t>Can we forecast future UK trade data?</a:t>
             </a:r>
           </a:p>
           <a:p>
             <a:pPr lvl="1"/>
             <a:r>
-              <a:rPr sz="2000" dirty="0"/>
+              <a:rPr sz="1800" dirty="0"/>
               <a:t>Total exports and imports</a:t>
             </a:r>
           </a:p>
           <a:p>
             <a:pPr lvl="2"/>
             <a:r>
-              <a:rPr sz="1600" dirty="0"/>
+              <a:rPr sz="1400" dirty="0"/>
               <a:t>Will overall trade grow or decline?</a:t>
             </a:r>
           </a:p>
           <a:p>
             <a:pPr lvl="1"/>
             <a:r>
-              <a:rPr sz="2000" dirty="0"/>
+              <a:rPr sz="1800" dirty="0"/>
               <a:t>Trade by product</a:t>
             </a:r>
           </a:p>
           <a:p>
             <a:pPr lvl="2"/>
             <a:r>
-              <a:rPr sz="1600" dirty="0"/>
+              <a:rPr sz="1400" dirty="0"/>
               <a:t>Which goods will dominate?</a:t>
             </a:r>
           </a:p>
           <a:p>
             <a:pPr lvl="1"/>
             <a:r>
-              <a:rPr sz="2000" dirty="0"/>
+              <a:rPr sz="1800" dirty="0"/>
               <a:t>Trade by partner country</a:t>
             </a:r>
           </a:p>
           <a:p>
             <a:pPr lvl="2"/>
             <a:r>
-              <a:rPr sz="1600" dirty="0"/>
+              <a:rPr sz="1400" dirty="0"/>
               <a:t>Will new countries become more prominent?</a:t>
             </a:r>
           </a:p>
           <a:p>
             <a:pPr lvl="0"/>
             <a:r>
-              <a:rPr sz="2000" b="1" dirty="0"/>
+              <a:rPr sz="1800" b="1" dirty="0"/>
               <a:t>Challenges of forecasting long-term trade</a:t>
             </a:r>
           </a:p>
           <a:p>
             <a:pPr lvl="1"/>
             <a:r>
-              <a:rPr sz="2000" dirty="0"/>
+              <a:rPr sz="1800" dirty="0"/>
               <a:t>Economic shocks (e.g., COVID-19, financial crises)</a:t>
             </a:r>
           </a:p>
           <a:p>
             <a:pPr lvl="1"/>
             <a:r>
-              <a:rPr sz="2000" dirty="0"/>
+              <a:rPr sz="1800" dirty="0"/>
               <a:t>Policy and geopolitical uncertainty (e.g., Brexit)</a:t>
             </a:r>
           </a:p>
           <a:p>
             <a:pPr lvl="1"/>
             <a:r>
-              <a:rPr sz="2000" dirty="0"/>
+              <a:rPr sz="1800" dirty="0"/>
               <a:t>Structural changes in industry or consumer demand</a:t>
             </a:r>
           </a:p>
           <a:p>
             <a:pPr lvl="1"/>
             <a:r>
-              <a:rPr sz="2000" dirty="0"/>
+              <a:rPr sz="1800" dirty="0"/>
               <a:t>Model limitations for long-term prediction</a:t>
             </a:r>
-            <a:endParaRPr dirty="0"/>
           </a:p>
         </p:txBody>
       </p:sp>
@@ -4627,113 +5044,113 @@
         <p:spPr/>
         <p:txBody>
           <a:bodyPr>
-            <a:normAutofit fontScale="85000" lnSpcReduction="10000"/>
+            <a:noAutofit/>
           </a:bodyPr>
           <a:lstStyle/>
           <a:p>
             <a:pPr lvl="0"/>
             <a:r>
-              <a:rPr sz="2000" dirty="0"/>
+              <a:rPr sz="1600" dirty="0"/>
               <a:t>The original dataset from the CEPII BACI database contained </a:t>
             </a:r>
             <a:r>
-              <a:rPr sz="2000" b="1" dirty="0"/>
+              <a:rPr sz="1600" b="1" dirty="0"/>
               <a:t>258 million+ rows</a:t>
             </a:r>
             <a:r>
-              <a:rPr sz="2000" dirty="0"/>
+              <a:rPr sz="1600" dirty="0"/>
               <a:t>, covering:</a:t>
             </a:r>
           </a:p>
           <a:p>
             <a:pPr lvl="1"/>
             <a:r>
-              <a:rPr sz="2000" b="1" dirty="0"/>
+              <a:rPr sz="1600" b="1" dirty="0"/>
               <a:t>Trade flows</a:t>
             </a:r>
             <a:r>
-              <a:rPr sz="2000" dirty="0"/>
+              <a:rPr sz="1600" dirty="0"/>
               <a:t> between 238 countries</a:t>
             </a:r>
           </a:p>
           <a:p>
             <a:pPr lvl="1"/>
             <a:r>
-              <a:rPr sz="2000" b="1" dirty="0"/>
+              <a:rPr sz="1600" b="1" dirty="0"/>
               <a:t>Over 5,000 products</a:t>
             </a:r>
             <a:r>
-              <a:rPr sz="2000" dirty="0"/>
+              <a:rPr sz="1600" dirty="0"/>
               <a:t> using 6-digit Harmonized System (HS) codes</a:t>
             </a:r>
             <a:br>
-              <a:rPr sz="2000" dirty="0"/>
+              <a:rPr sz="1600" dirty="0"/>
             </a:br>
-            <a:endParaRPr sz="2000" dirty="0"/>
+            <a:endParaRPr sz="1600" dirty="0"/>
           </a:p>
           <a:p>
             <a:pPr lvl="1"/>
             <a:r>
-              <a:rPr sz="2000" b="1" dirty="0"/>
+              <a:rPr sz="1600" b="1" dirty="0"/>
               <a:t>Annual data</a:t>
             </a:r>
             <a:r>
-              <a:rPr sz="2000" dirty="0"/>
+              <a:rPr sz="1600" dirty="0"/>
               <a:t> from 1995 to 2023</a:t>
             </a:r>
           </a:p>
           <a:p>
             <a:pPr lvl="0"/>
             <a:r>
-              <a:rPr sz="2000" b="1" dirty="0"/>
+              <a:rPr sz="1600" b="1" dirty="0"/>
               <a:t>Preprocessing steps</a:t>
             </a:r>
             <a:r>
-              <a:rPr sz="2000" dirty="0"/>
+              <a:rPr sz="1600" dirty="0"/>
               <a:t> included:</a:t>
             </a:r>
           </a:p>
           <a:p>
             <a:pPr lvl="1"/>
             <a:r>
-              <a:rPr sz="2000" dirty="0"/>
+              <a:rPr sz="1600" dirty="0"/>
               <a:t>Filtering rows where the </a:t>
             </a:r>
             <a:r>
-              <a:rPr sz="2000" b="1" dirty="0"/>
+              <a:rPr sz="1600" b="1" dirty="0"/>
               <a:t>UK was either importer or exporter</a:t>
             </a:r>
           </a:p>
           <a:p>
             <a:pPr lvl="1"/>
             <a:r>
-              <a:rPr sz="2000" dirty="0"/>
+              <a:rPr sz="1600" dirty="0"/>
               <a:t>Merging similar products (e.g., combining 21 categories of “meat” into one)</a:t>
             </a:r>
           </a:p>
           <a:p>
             <a:pPr lvl="1"/>
             <a:r>
-              <a:rPr sz="2000" b="1" dirty="0"/>
+              <a:rPr sz="1600" b="1" dirty="0"/>
               <a:t>Decoding</a:t>
             </a:r>
             <a:r>
-              <a:rPr sz="2000" dirty="0"/>
+              <a:rPr sz="1600" dirty="0"/>
               <a:t> numeric country and product codes into readable labels</a:t>
             </a:r>
           </a:p>
           <a:p>
             <a:pPr lvl="1"/>
             <a:r>
-              <a:rPr sz="2000" dirty="0"/>
+              <a:rPr sz="1600" dirty="0"/>
               <a:t>Cleaning and reducing the dataset to around </a:t>
             </a:r>
             <a:r>
-              <a:rPr sz="2000" b="1" dirty="0"/>
+              <a:rPr sz="1600" b="1" dirty="0"/>
               <a:t>5 million rows</a:t>
             </a:r>
             <a:r>
-              <a:rPr sz="2000" dirty="0"/>
+              <a:rPr sz="1600" dirty="0"/>
               <a:t> for focused analysis</a:t>
             </a:r>
           </a:p>
@@ -4764,30 +5181,6 @@
           <a:chExt cx="0" cy="0"/>
         </a:xfrm>
       </p:grpSpPr>
-      <p:sp>
-        <p:nvSpPr>
-          <p:cNvPr id="2" name="Title 1"/>
-          <p:cNvSpPr>
-            <a:spLocks noGrp="1"/>
-          </p:cNvSpPr>
-          <p:nvPr>
-            <p:ph type="title"/>
-          </p:nvPr>
-        </p:nvSpPr>
-        <p:spPr/>
-        <p:txBody>
-          <a:bodyPr/>
-          <a:lstStyle/>
-          <a:p>
-            <a:pPr marL="0" lvl="0" indent="0">
-              <a:buNone/>
-            </a:pPr>
-            <a:r>
-              <a:t>Export value by top products</a:t>
-            </a:r>
-          </a:p>
-        </p:txBody>
-      </p:sp>
       <p:pic>
         <p:nvPicPr>
           <p:cNvPr id="3" name="Picture 1" descr="Powerpoint_files/figure-pptx/unnamed-chunk-2-1.png"/>
@@ -4843,30 +5236,6 @@
           <a:chExt cx="0" cy="0"/>
         </a:xfrm>
       </p:grpSpPr>
-      <p:sp>
-        <p:nvSpPr>
-          <p:cNvPr id="2" name="Title 1"/>
-          <p:cNvSpPr>
-            <a:spLocks noGrp="1"/>
-          </p:cNvSpPr>
-          <p:nvPr>
-            <p:ph type="title"/>
-          </p:nvPr>
-        </p:nvSpPr>
-        <p:spPr/>
-        <p:txBody>
-          <a:bodyPr/>
-          <a:lstStyle/>
-          <a:p>
-            <a:pPr marL="0" lvl="0" indent="0">
-              <a:buNone/>
-            </a:pPr>
-            <a:r>
-              <a:t>Import value by top products</a:t>
-            </a:r>
-          </a:p>
-        </p:txBody>
-      </p:sp>
       <p:pic>
         <p:nvPicPr>
           <p:cNvPr id="3" name="Picture 1" descr="Powerpoint_files/figure-pptx/unnamed-chunk-3-1.png"/>
@@ -4938,8 +5307,8 @@
         </p:blipFill>
         <p:spPr bwMode="auto">
           <a:xfrm>
-            <a:off x="1559789" y="126999"/>
-            <a:ext cx="5686137" cy="4554567"/>
+            <a:off x="2019300" y="355600"/>
+            <a:ext cx="5105400" cy="4089400"/>
           </a:xfrm>
           <a:prstGeom prst="rect">
             <a:avLst/>
@@ -4993,8 +5362,8 @@
         </p:blipFill>
         <p:spPr bwMode="auto">
           <a:xfrm>
-            <a:off x="1563832" y="162222"/>
-            <a:ext cx="6016336" cy="4819055"/>
+            <a:off x="2019300" y="355600"/>
+            <a:ext cx="5105400" cy="4089400"/>
           </a:xfrm>
           <a:prstGeom prst="rect">
             <a:avLst/>
@@ -5048,8 +5417,8 @@
         </p:blipFill>
         <p:spPr bwMode="auto">
           <a:xfrm>
-            <a:off x="1855931" y="400521"/>
-            <a:ext cx="5432137" cy="4342457"/>
+            <a:off x="2108777" y="602646"/>
+            <a:ext cx="4926446" cy="3938207"/>
           </a:xfrm>
           <a:prstGeom prst="rect">
             <a:avLst/>
